--- a/以太坊教程/课件/8_2_难度调整.pptx
+++ b/以太坊教程/课件/8_2_难度调整.pptx
@@ -197,7 +197,7 @@
           <a:p>
             <a:fld id="{31A2A103-01E9-406E-AEF1-210DF53BAA37}" type="datetimeFigureOut">
               <a:rPr lang="zh-CN" altLang="en-US" smtClean="0"/>
-              <a:t>2018/11/3</a:t>
+              <a:t>2018/11/29</a:t>
             </a:fld>
             <a:endParaRPr lang="zh-CN" altLang="en-US"/>
           </a:p>
@@ -1263,7 +1263,7 @@
           <a:p>
             <a:fld id="{530820CF-B880-4189-942D-D702A7CBA730}" type="datetimeFigureOut">
               <a:rPr lang="zh-CN" altLang="en-US" smtClean="0"/>
-              <a:t>2018/11/3</a:t>
+              <a:t>2018/11/29</a:t>
             </a:fld>
             <a:endParaRPr lang="zh-CN" altLang="en-US"/>
           </a:p>
@@ -1428,7 +1428,7 @@
           <a:p>
             <a:fld id="{530820CF-B880-4189-942D-D702A7CBA730}" type="datetimeFigureOut">
               <a:rPr lang="zh-CN" altLang="en-US" smtClean="0"/>
-              <a:t>2018/11/3</a:t>
+              <a:t>2018/11/29</a:t>
             </a:fld>
             <a:endParaRPr lang="zh-CN" altLang="en-US"/>
           </a:p>
@@ -1603,7 +1603,7 @@
           <a:p>
             <a:fld id="{530820CF-B880-4189-942D-D702A7CBA730}" type="datetimeFigureOut">
               <a:rPr lang="zh-CN" altLang="en-US" smtClean="0"/>
-              <a:t>2018/11/3</a:t>
+              <a:t>2018/11/29</a:t>
             </a:fld>
             <a:endParaRPr lang="zh-CN" altLang="en-US"/>
           </a:p>
@@ -1768,7 +1768,7 @@
           <a:p>
             <a:fld id="{530820CF-B880-4189-942D-D702A7CBA730}" type="datetimeFigureOut">
               <a:rPr lang="zh-CN" altLang="en-US" smtClean="0"/>
-              <a:t>2018/11/3</a:t>
+              <a:t>2018/11/29</a:t>
             </a:fld>
             <a:endParaRPr lang="zh-CN" altLang="en-US"/>
           </a:p>
@@ -2009,7 +2009,7 @@
           <a:p>
             <a:fld id="{530820CF-B880-4189-942D-D702A7CBA730}" type="datetimeFigureOut">
               <a:rPr lang="zh-CN" altLang="en-US" smtClean="0"/>
-              <a:t>2018/11/3</a:t>
+              <a:t>2018/11/29</a:t>
             </a:fld>
             <a:endParaRPr lang="zh-CN" altLang="en-US"/>
           </a:p>
@@ -2292,7 +2292,7 @@
           <a:p>
             <a:fld id="{530820CF-B880-4189-942D-D702A7CBA730}" type="datetimeFigureOut">
               <a:rPr lang="zh-CN" altLang="en-US" smtClean="0"/>
-              <a:t>2018/11/3</a:t>
+              <a:t>2018/11/29</a:t>
             </a:fld>
             <a:endParaRPr lang="zh-CN" altLang="en-US"/>
           </a:p>
@@ -2709,7 +2709,7 @@
           <a:p>
             <a:fld id="{530820CF-B880-4189-942D-D702A7CBA730}" type="datetimeFigureOut">
               <a:rPr lang="zh-CN" altLang="en-US" smtClean="0"/>
-              <a:t>2018/11/3</a:t>
+              <a:t>2018/11/29</a:t>
             </a:fld>
             <a:endParaRPr lang="zh-CN" altLang="en-US"/>
           </a:p>
@@ -2822,7 +2822,7 @@
           <a:p>
             <a:fld id="{530820CF-B880-4189-942D-D702A7CBA730}" type="datetimeFigureOut">
               <a:rPr lang="zh-CN" altLang="en-US" smtClean="0"/>
-              <a:t>2018/11/3</a:t>
+              <a:t>2018/11/29</a:t>
             </a:fld>
             <a:endParaRPr lang="zh-CN" altLang="en-US"/>
           </a:p>
@@ -2912,7 +2912,7 @@
           <a:p>
             <a:fld id="{530820CF-B880-4189-942D-D702A7CBA730}" type="datetimeFigureOut">
               <a:rPr lang="zh-CN" altLang="en-US" smtClean="0"/>
-              <a:t>2018/11/3</a:t>
+              <a:t>2018/11/29</a:t>
             </a:fld>
             <a:endParaRPr lang="zh-CN" altLang="en-US"/>
           </a:p>
@@ -3184,7 +3184,7 @@
           <a:p>
             <a:fld id="{530820CF-B880-4189-942D-D702A7CBA730}" type="datetimeFigureOut">
               <a:rPr lang="zh-CN" altLang="en-US" smtClean="0"/>
-              <a:t>2018/11/3</a:t>
+              <a:t>2018/11/29</a:t>
             </a:fld>
             <a:endParaRPr lang="zh-CN" altLang="en-US"/>
           </a:p>
@@ -3432,7 +3432,7 @@
           <a:p>
             <a:fld id="{530820CF-B880-4189-942D-D702A7CBA730}" type="datetimeFigureOut">
               <a:rPr lang="zh-CN" altLang="en-US" smtClean="0"/>
-              <a:t>2018/11/3</a:t>
+              <a:t>2018/11/29</a:t>
             </a:fld>
             <a:endParaRPr lang="zh-CN" altLang="en-US"/>
           </a:p>
@@ -3492,9 +3492,18 @@
 <p:sldMaster xmlns:a="http://schemas.openxmlformats.org/drawingml/2006/main" xmlns:r="http://schemas.openxmlformats.org/officeDocument/2006/relationships" xmlns:p="http://schemas.openxmlformats.org/presentationml/2006/main">
   <p:cSld>
     <p:bg>
-      <p:bgRef idx="1001">
-        <a:schemeClr val="bg1"/>
-      </p:bgRef>
+      <p:bgPr>
+        <a:blipFill dpi="0" rotWithShape="1">
+          <a:blip r:embed="rId13">
+            <a:lum/>
+          </a:blip>
+          <a:srcRect/>
+          <a:stretch>
+            <a:fillRect/>
+          </a:stretch>
+        </a:blipFill>
+        <a:effectLst/>
+      </p:bgPr>
     </p:bg>
     <p:spTree>
       <p:nvGrpSpPr>
@@ -3640,7 +3649,7 @@
           <a:p>
             <a:fld id="{530820CF-B880-4189-942D-D702A7CBA730}" type="datetimeFigureOut">
               <a:rPr lang="zh-CN" altLang="en-US" smtClean="0"/>
-              <a:t>2018/11/3</a:t>
+              <a:t>2018/11/29</a:t>
             </a:fld>
             <a:endParaRPr lang="zh-CN" altLang="en-US"/>
           </a:p>
@@ -4133,27 +4142,34 @@
             <p:ph type="title"/>
           </p:nvPr>
         </p:nvSpPr>
-        <p:spPr/>
-        <p:txBody>
-          <a:bodyPr/>
+        <p:spPr>
+          <a:xfrm>
+            <a:off x="457200" y="413792"/>
+            <a:ext cx="8229600" cy="1143000"/>
+          </a:xfrm>
+        </p:spPr>
+        <p:txBody>
+          <a:bodyPr>
+            <a:normAutofit/>
+          </a:bodyPr>
           <a:lstStyle/>
           <a:p>
             <a:pPr algn="l"/>
             <a:r>
-              <a:rPr lang="en-US" altLang="zh-CN" smtClean="0">
+              <a:rPr lang="en-US" altLang="zh-CN" sz="3600" smtClean="0">
                 <a:latin typeface="微软雅黑 Light" pitchFamily="34" charset="-122"/>
                 <a:ea typeface="微软雅黑 Light" pitchFamily="34" charset="-122"/>
               </a:rPr>
               <a:t>  </a:t>
             </a:r>
             <a:r>
-              <a:rPr lang="zh-CN" altLang="en-US" smtClean="0">
+              <a:rPr lang="zh-CN" altLang="en-US" sz="3600" smtClean="0">
                 <a:latin typeface="微软雅黑 Light" pitchFamily="34" charset="-122"/>
                 <a:ea typeface="微软雅黑 Light" pitchFamily="34" charset="-122"/>
               </a:rPr>
               <a:t>什么是难度</a:t>
             </a:r>
-            <a:endParaRPr lang="zh-CN" altLang="en-US" dirty="0">
+            <a:endParaRPr lang="zh-CN" altLang="en-US" sz="3600" dirty="0">
               <a:latin typeface="微软雅黑 Light" pitchFamily="34" charset="-122"/>
               <a:ea typeface="微软雅黑 Light" pitchFamily="34" charset="-122"/>
             </a:endParaRPr>
@@ -4193,11 +4209,7 @@
             </a:r>
             <a:r>
               <a:rPr lang="en-US" altLang="zh-CN" sz="2000" b="1"/>
-              <a:t>(</a:t>
-            </a:r>
-            <a:r>
-              <a:rPr lang="en-US" altLang="zh-CN" sz="2000" b="1"/>
-              <a:t>Difficulty</a:t>
+              <a:t>(Difficulty</a:t>
             </a:r>
             <a:r>
               <a:rPr lang="en-US" altLang="zh-CN" sz="2000" b="1" smtClean="0"/>
@@ -4209,11 +4221,7 @@
             </a:r>
             <a:r>
               <a:rPr lang="zh-CN" altLang="en-US" sz="2000"/>
-              <a:t>词来源于区块链技术的先驱比特币，用来度量挖出一个区块平均需要的运算</a:t>
-            </a:r>
-            <a:r>
-              <a:rPr lang="zh-CN" altLang="en-US" sz="2000"/>
-              <a:t>次数</a:t>
+              <a:t>词来源于区块链技术的先驱比特币，用来度量挖出一个区块平均需要的运算次数</a:t>
             </a:r>
             <a:r>
               <a:rPr lang="zh-CN" altLang="en-US" sz="2000" smtClean="0"/>
@@ -4233,11 +4241,7 @@
             </a:r>
             <a:r>
               <a:rPr lang="zh-CN" altLang="en-US" sz="2000"/>
-              <a:t>矿本质上就是在求解一个谜题，不同的电子币设置了不同的谜</a:t>
-            </a:r>
-            <a:r>
-              <a:rPr lang="zh-CN" altLang="en-US" sz="2000"/>
-              <a:t>题</a:t>
+              <a:t>矿本质上就是在求解一个谜题，不同的电子币设置了不同的谜题</a:t>
             </a:r>
             <a:r>
               <a:rPr lang="zh-CN" altLang="en-US" sz="2000" smtClean="0"/>
@@ -4269,11 +4273,7 @@
             </a:r>
             <a:r>
               <a:rPr lang="zh-CN" altLang="en-US" sz="2000"/>
-              <a:t>。一个谜题的解的所有可能取值被称为解的空间，挖矿就是在这些可能的取值中寻找一</a:t>
-            </a:r>
-            <a:r>
-              <a:rPr lang="zh-CN" altLang="en-US" sz="2000"/>
-              <a:t>个</a:t>
+              <a:t>。一个谜题的解的所有可能取值被称为解的空间，挖矿就是在这些可能的取值中寻找一个</a:t>
             </a:r>
             <a:r>
               <a:rPr lang="zh-CN" altLang="en-US" sz="2000" smtClean="0"/>
@@ -4380,27 +4380,34 @@
             <p:ph type="title"/>
           </p:nvPr>
         </p:nvSpPr>
-        <p:spPr/>
-        <p:txBody>
-          <a:bodyPr/>
+        <p:spPr>
+          <a:xfrm>
+            <a:off x="457200" y="413792"/>
+            <a:ext cx="8229600" cy="1143000"/>
+          </a:xfrm>
+        </p:spPr>
+        <p:txBody>
+          <a:bodyPr>
+            <a:normAutofit/>
+          </a:bodyPr>
           <a:lstStyle/>
           <a:p>
             <a:pPr algn="l"/>
             <a:r>
-              <a:rPr lang="en-US" altLang="zh-CN" smtClean="0">
+              <a:rPr lang="en-US" altLang="zh-CN" sz="3600" smtClean="0">
                 <a:latin typeface="微软雅黑 Light" pitchFamily="34" charset="-122"/>
                 <a:ea typeface="微软雅黑 Light" pitchFamily="34" charset="-122"/>
               </a:rPr>
               <a:t>  </a:t>
             </a:r>
             <a:r>
-              <a:rPr lang="zh-CN" altLang="en-US" smtClean="0">
+              <a:rPr lang="zh-CN" altLang="en-US" sz="3600" smtClean="0">
                 <a:latin typeface="微软雅黑 Light" pitchFamily="34" charset="-122"/>
                 <a:ea typeface="微软雅黑 Light" pitchFamily="34" charset="-122"/>
               </a:rPr>
               <a:t>什么是难度</a:t>
             </a:r>
-            <a:endParaRPr lang="zh-CN" altLang="en-US" dirty="0">
+            <a:endParaRPr lang="zh-CN" altLang="en-US" sz="3600" dirty="0">
               <a:latin typeface="微软雅黑 Light" pitchFamily="34" charset="-122"/>
               <a:ea typeface="微软雅黑 Light" pitchFamily="34" charset="-122"/>
             </a:endParaRPr>
@@ -4464,11 +4471,7 @@
             </a:r>
             <a:r>
               <a:rPr lang="zh-CN" altLang="en-US" sz="2000"/>
-              <a:t>这个</a:t>
-            </a:r>
-            <a:r>
-              <a:rPr lang="zh-CN" altLang="en-US" sz="2000"/>
-              <a:t>参数</a:t>
+              <a:t>这个参数</a:t>
             </a:r>
             <a:r>
               <a:rPr lang="en-US" altLang="zh-CN" sz="2000" smtClean="0"/>
@@ -4569,34 +4572,41 @@
             <p:ph type="title"/>
           </p:nvPr>
         </p:nvSpPr>
-        <p:spPr/>
-        <p:txBody>
-          <a:bodyPr/>
+        <p:spPr>
+          <a:xfrm>
+            <a:off x="457200" y="413792"/>
+            <a:ext cx="8229600" cy="1143000"/>
+          </a:xfrm>
+        </p:spPr>
+        <p:txBody>
+          <a:bodyPr>
+            <a:normAutofit/>
+          </a:bodyPr>
           <a:lstStyle/>
           <a:p>
             <a:pPr algn="l"/>
             <a:r>
-              <a:rPr lang="en-US" altLang="zh-CN" smtClean="0">
+              <a:rPr lang="en-US" altLang="zh-CN" sz="3600" smtClean="0">
                 <a:latin typeface="微软雅黑 Light" pitchFamily="34" charset="-122"/>
                 <a:ea typeface="微软雅黑 Light" pitchFamily="34" charset="-122"/>
               </a:rPr>
               <a:t>  </a:t>
             </a:r>
             <a:r>
-              <a:rPr lang="zh-CN" altLang="en-US">
+              <a:rPr lang="zh-CN" altLang="en-US" sz="3600">
                 <a:latin typeface="微软雅黑 Light" pitchFamily="34" charset="-122"/>
                 <a:ea typeface="微软雅黑 Light" pitchFamily="34" charset="-122"/>
               </a:rPr>
               <a:t>以太</a:t>
             </a:r>
             <a:r>
-              <a:rPr lang="zh-CN" altLang="en-US" smtClean="0">
+              <a:rPr lang="zh-CN" altLang="en-US" sz="3600" smtClean="0">
                 <a:latin typeface="微软雅黑 Light" pitchFamily="34" charset="-122"/>
                 <a:ea typeface="微软雅黑 Light" pitchFamily="34" charset="-122"/>
               </a:rPr>
               <a:t>坊中的难度计算</a:t>
             </a:r>
-            <a:endParaRPr lang="zh-CN" altLang="en-US" dirty="0">
+            <a:endParaRPr lang="zh-CN" altLang="en-US" sz="3600" dirty="0">
               <a:latin typeface="微软雅黑 Light" pitchFamily="34" charset="-122"/>
               <a:ea typeface="微软雅黑 Light" pitchFamily="34" charset="-122"/>
             </a:endParaRPr>
@@ -4808,34 +4818,41 @@
             <p:ph type="title"/>
           </p:nvPr>
         </p:nvSpPr>
-        <p:spPr/>
-        <p:txBody>
-          <a:bodyPr/>
+        <p:spPr>
+          <a:xfrm>
+            <a:off x="457200" y="413792"/>
+            <a:ext cx="8229600" cy="1143000"/>
+          </a:xfrm>
+        </p:spPr>
+        <p:txBody>
+          <a:bodyPr>
+            <a:normAutofit/>
+          </a:bodyPr>
           <a:lstStyle/>
           <a:p>
             <a:pPr algn="l"/>
             <a:r>
-              <a:rPr lang="en-US" altLang="zh-CN" smtClean="0">
+              <a:rPr lang="en-US" altLang="zh-CN" sz="3600" smtClean="0">
                 <a:latin typeface="微软雅黑 Light" pitchFamily="34" charset="-122"/>
                 <a:ea typeface="微软雅黑 Light" pitchFamily="34" charset="-122"/>
               </a:rPr>
               <a:t>  </a:t>
             </a:r>
             <a:r>
-              <a:rPr lang="zh-CN" altLang="en-US">
+              <a:rPr lang="zh-CN" altLang="en-US" sz="3600">
                 <a:latin typeface="微软雅黑 Light" pitchFamily="34" charset="-122"/>
                 <a:ea typeface="微软雅黑 Light" pitchFamily="34" charset="-122"/>
               </a:rPr>
               <a:t>以太</a:t>
             </a:r>
             <a:r>
-              <a:rPr lang="zh-CN" altLang="en-US" smtClean="0">
+              <a:rPr lang="zh-CN" altLang="en-US" sz="3600" smtClean="0">
                 <a:latin typeface="微软雅黑 Light" pitchFamily="34" charset="-122"/>
                 <a:ea typeface="微软雅黑 Light" pitchFamily="34" charset="-122"/>
               </a:rPr>
               <a:t>坊中的难度计算</a:t>
             </a:r>
-            <a:endParaRPr lang="zh-CN" altLang="en-US" dirty="0">
+            <a:endParaRPr lang="zh-CN" altLang="en-US" sz="3600" dirty="0">
               <a:latin typeface="微软雅黑 Light" pitchFamily="34" charset="-122"/>
               <a:ea typeface="微软雅黑 Light" pitchFamily="34" charset="-122"/>
             </a:endParaRPr>
@@ -4915,15 +4932,7 @@
             </a:r>
             <a:r>
               <a:rPr lang="en-US" altLang="zh-CN" sz="2400"/>
-              <a:t>= </a:t>
-            </a:r>
-            <a:r>
-              <a:rPr lang="en-US" altLang="zh-CN" sz="2400"/>
-              <a:t>parent_diff / 2048 </a:t>
-            </a:r>
-            <a:r>
-              <a:rPr lang="en-US" altLang="zh-CN" sz="2400"/>
-              <a:t>* </a:t>
+              <a:t>= parent_diff / 2048 * </a:t>
             </a:r>
             <a:r>
               <a:rPr lang="en-US" altLang="zh-CN" sz="2400" smtClean="0"/>
@@ -4931,11 +4940,7 @@
             </a:r>
             <a:r>
               <a:rPr lang="en-US" altLang="zh-CN" sz="2400"/>
-              <a:t>((2 if len(parent.uncles) else 1) - ((timestamp - parent.timestamp) // 9), -</a:t>
-            </a:r>
-            <a:r>
-              <a:rPr lang="en-US" altLang="zh-CN" sz="2400"/>
-              <a:t>99</a:t>
+              <a:t>((2 if len(parent.uncles) else 1) - ((timestamp - parent.timestamp) // 9), -99</a:t>
             </a:r>
             <a:r>
               <a:rPr lang="en-US" altLang="zh-CN" sz="2400" smtClean="0"/>
@@ -4975,10 +4980,6 @@
             <a:r>
               <a:rPr lang="en-US" altLang="zh-CN" sz="2400"/>
               <a:t>2)</a:t>
-            </a:r>
-            <a:r>
-              <a:rPr lang="en-US" altLang="zh-CN" sz="2400"/>
-              <a:t/>
             </a:r>
             <a:br>
               <a:rPr lang="en-US" altLang="zh-CN" sz="2400"/>
